--- a/Documentation/Presentation.pptx
+++ b/Documentation/Presentation.pptx
@@ -15,10 +15,13 @@
     <p:sldId id="263" r:id="rId9"/>
     <p:sldId id="264" r:id="rId10"/>
     <p:sldId id="269" r:id="rId11"/>
-    <p:sldId id="270" r:id="rId12"/>
-    <p:sldId id="265" r:id="rId13"/>
-    <p:sldId id="267" r:id="rId14"/>
-    <p:sldId id="271" r:id="rId15"/>
+    <p:sldId id="274" r:id="rId12"/>
+    <p:sldId id="270" r:id="rId13"/>
+    <p:sldId id="275" r:id="rId14"/>
+    <p:sldId id="273" r:id="rId15"/>
+    <p:sldId id="265" r:id="rId16"/>
+    <p:sldId id="267" r:id="rId17"/>
+    <p:sldId id="271" r:id="rId18"/>
   </p:sldIdLst>
   <p:sldSz cx="12192000" cy="6858000"/>
   <p:notesSz cx="6858000" cy="9144000"/>
@@ -117,6 +120,11 @@
       </a:defRPr>
     </a:lvl9pPr>
   </p:defaultTextStyle>
+  <p:extLst>
+    <p:ext uri="{EFAFB233-063F-42B5-8137-9DF3F51BA10A}">
+      <p15:sldGuideLst xmlns:p15="http://schemas.microsoft.com/office/powerpoint/2012/main"/>
+    </p:ext>
+  </p:extLst>
 </p:presentation>
 </file>
 
@@ -215,7 +223,7 @@
           <a:effectLst/>
           <a:extLst>
             <a:ext uri="{91240B29-F687-4f45-9708-019B960494DF}">
-              <a14:hiddenLine xmlns:a14="http://schemas.microsoft.com/office/drawing/2010/main" xmlns="" w="9525">
+              <a14:hiddenLine xmlns="" xmlns:a14="http://schemas.microsoft.com/office/drawing/2010/main" w="9525">
                 <a:solidFill>
                   <a:srgbClr val="000000"/>
                 </a:solidFill>
@@ -408,7 +416,7 @@
             <a:fld id="{08B9EBBA-996F-894A-B54A-D6246ED52CEA}" type="datetimeFigureOut">
               <a:rPr lang="en-US" smtClean="0"/>
               <a:pPr/>
-              <a:t>6/26/20</a:t>
+              <a:t>6/28/20</a:t>
             </a:fld>
             <a:endParaRPr lang="en-US" dirty="0"/>
           </a:p>
@@ -728,7 +736,7 @@
             <a:fld id="{18C79C5D-2A6F-F04D-97DA-BEF2467B64E4}" type="datetimeFigureOut">
               <a:rPr lang="en-US" smtClean="0"/>
               <a:pPr/>
-              <a:t>6/26/20</a:t>
+              <a:t>6/28/20</a:t>
             </a:fld>
             <a:endParaRPr lang="en-US" dirty="0"/>
           </a:p>
@@ -1218,7 +1226,7 @@
             <a:fld id="{8DFA1846-DA80-1C48-A609-854EA85C59AD}" type="datetimeFigureOut">
               <a:rPr lang="en-US" smtClean="0"/>
               <a:pPr/>
-              <a:t>6/26/20</a:t>
+              <a:t>6/28/20</a:t>
             </a:fld>
             <a:endParaRPr lang="en-US" dirty="0"/>
           </a:p>
@@ -1589,7 +1597,7 @@
             <a:fld id="{FBF54567-0DE4-3F47-BF90-CB84690072F9}" type="datetimeFigureOut">
               <a:rPr lang="en-US" smtClean="0"/>
               <a:pPr/>
-              <a:t>6/26/20</a:t>
+              <a:t>6/28/20</a:t>
             </a:fld>
             <a:endParaRPr lang="en-US" dirty="0"/>
           </a:p>
@@ -1745,7 +1753,7 @@
           <a:ln/>
           <a:extLst>
             <a:ext uri="{91240B29-F687-4f45-9708-019B960494DF}">
-              <a14:hiddenLine xmlns:a14="http://schemas.microsoft.com/office/drawing/2010/main" xmlns="" w="9525">
+              <a14:hiddenLine xmlns="" xmlns:a14="http://schemas.microsoft.com/office/drawing/2010/main" w="9525">
                 <a:solidFill>
                   <a:srgbClr val="000000"/>
                 </a:solidFill>
@@ -1864,7 +1872,7 @@
             <a:fld id="{C6C52C72-DE31-F449-A4ED-4C594FD91407}" type="datetimeFigureOut">
               <a:rPr lang="en-US" smtClean="0"/>
               <a:pPr/>
-              <a:t>6/26/20</a:t>
+              <a:t>6/28/20</a:t>
             </a:fld>
             <a:endParaRPr lang="en-US" dirty="0"/>
           </a:p>
@@ -2022,7 +2030,7 @@
           <a:ln/>
           <a:extLst>
             <a:ext uri="{91240B29-F687-4f45-9708-019B960494DF}">
-              <a14:hiddenLine xmlns:a14="http://schemas.microsoft.com/office/drawing/2010/main" xmlns="" w="9525">
+              <a14:hiddenLine xmlns="" xmlns:a14="http://schemas.microsoft.com/office/drawing/2010/main" w="9525">
                 <a:solidFill>
                   <a:srgbClr val="000000"/>
                 </a:solidFill>
@@ -2151,7 +2159,7 @@
             <a:fld id="{ED62726E-379B-B349-9EED-81ED093FA806}" type="datetimeFigureOut">
               <a:rPr lang="en-US" smtClean="0"/>
               <a:pPr/>
-              <a:t>6/26/20</a:t>
+              <a:t>6/28/20</a:t>
             </a:fld>
             <a:endParaRPr lang="en-US" dirty="0"/>
           </a:p>
@@ -2307,7 +2315,7 @@
           <a:ln/>
           <a:extLst>
             <a:ext uri="{91240B29-F687-4f45-9708-019B960494DF}">
-              <a14:hiddenLine xmlns:a14="http://schemas.microsoft.com/office/drawing/2010/main" xmlns="" w="9525">
+              <a14:hiddenLine xmlns="" xmlns:a14="http://schemas.microsoft.com/office/drawing/2010/main" w="9525">
                 <a:solidFill>
                   <a:srgbClr val="000000"/>
                 </a:solidFill>
@@ -2436,7 +2444,7 @@
             <a:fld id="{9B3A1323-8D79-1946-B0D7-40001CF92E9D}" type="datetimeFigureOut">
               <a:rPr lang="en-US" smtClean="0"/>
               <a:pPr/>
-              <a:t>6/26/20</a:t>
+              <a:t>6/28/20</a:t>
             </a:fld>
             <a:endParaRPr lang="en-US" dirty="0"/>
           </a:p>
@@ -2781,7 +2789,7 @@
             <a:fld id="{8DFA1846-DA80-1C48-A609-854EA85C59AD}" type="datetimeFigureOut">
               <a:rPr lang="en-US" smtClean="0"/>
               <a:pPr/>
-              <a:t>6/26/20</a:t>
+              <a:t>6/28/20</a:t>
             </a:fld>
             <a:endParaRPr lang="en-US" dirty="0"/>
           </a:p>
@@ -2937,7 +2945,7 @@
           <a:ln/>
           <a:extLst>
             <a:ext uri="{91240B29-F687-4f45-9708-019B960494DF}">
-              <a14:hiddenLine xmlns:a14="http://schemas.microsoft.com/office/drawing/2010/main" xmlns="" w="9525">
+              <a14:hiddenLine xmlns="" xmlns:a14="http://schemas.microsoft.com/office/drawing/2010/main" w="9525">
                 <a:solidFill>
                   <a:srgbClr val="000000"/>
                 </a:solidFill>
@@ -3122,7 +3130,7 @@
             <a:fld id="{57302355-E14B-8545-A8F8-0FE83CC9D524}" type="datetimeFigureOut">
               <a:rPr lang="en-US" smtClean="0"/>
               <a:pPr/>
-              <a:t>6/26/20</a:t>
+              <a:t>6/28/20</a:t>
             </a:fld>
             <a:endParaRPr lang="en-US" dirty="0"/>
           </a:p>
@@ -3278,7 +3286,7 @@
           <a:ln/>
           <a:extLst>
             <a:ext uri="{91240B29-F687-4f45-9708-019B960494DF}">
-              <a14:hiddenLine xmlns:a14="http://schemas.microsoft.com/office/drawing/2010/main" xmlns="" w="9525">
+              <a14:hiddenLine xmlns="" xmlns:a14="http://schemas.microsoft.com/office/drawing/2010/main" w="9525">
                 <a:solidFill>
                   <a:srgbClr val="000000"/>
                 </a:solidFill>
@@ -3601,7 +3609,7 @@
             <a:fld id="{02640F58-564D-2B4F-AE67-E407BA4FCF45}" type="datetimeFigureOut">
               <a:rPr lang="en-US" smtClean="0"/>
               <a:pPr/>
-              <a:t>6/26/20</a:t>
+              <a:t>6/28/20</a:t>
             </a:fld>
             <a:endParaRPr lang="en-US" dirty="0"/>
           </a:p>
@@ -3757,7 +3765,7 @@
           <a:ln/>
           <a:extLst>
             <a:ext uri="{91240B29-F687-4f45-9708-019B960494DF}">
-              <a14:hiddenLine xmlns:a14="http://schemas.microsoft.com/office/drawing/2010/main" xmlns="" w="9525">
+              <a14:hiddenLine xmlns="" xmlns:a14="http://schemas.microsoft.com/office/drawing/2010/main" w="9525">
                 <a:solidFill>
                   <a:srgbClr val="000000"/>
                 </a:solidFill>
@@ -3824,7 +3832,7 @@
             <a:fld id="{F13A34C8-038E-2045-AF43-DF7DBB8E0E9E}" type="datetimeFigureOut">
               <a:rPr lang="en-US" smtClean="0"/>
               <a:pPr/>
-              <a:t>6/26/20</a:t>
+              <a:t>6/28/20</a:t>
             </a:fld>
             <a:endParaRPr lang="en-US" dirty="0"/>
           </a:p>
@@ -3921,7 +3929,7 @@
             <a:fld id="{8818C68F-D26B-8F47-958C-23B49CF8A634}" type="datetimeFigureOut">
               <a:rPr lang="en-US" smtClean="0"/>
               <a:pPr/>
-              <a:t>6/26/20</a:t>
+              <a:t>6/28/20</a:t>
             </a:fld>
             <a:endParaRPr lang="en-US" dirty="0"/>
           </a:p>
@@ -4190,7 +4198,7 @@
           <a:ln/>
           <a:extLst>
             <a:ext uri="{91240B29-F687-4f45-9708-019B960494DF}">
-              <a14:hiddenLine xmlns:a14="http://schemas.microsoft.com/office/drawing/2010/main" xmlns="" w="9525">
+              <a14:hiddenLine xmlns="" xmlns:a14="http://schemas.microsoft.com/office/drawing/2010/main" w="9525">
                 <a:solidFill>
                   <a:srgbClr val="000000"/>
                 </a:solidFill>
@@ -4390,7 +4398,7 @@
             <a:fld id="{D0DF5E60-9974-AC48-9591-99C2BB44B7CF}" type="datetimeFigureOut">
               <a:rPr lang="en-US" smtClean="0"/>
               <a:pPr/>
-              <a:t>6/26/20</a:t>
+              <a:t>6/28/20</a:t>
             </a:fld>
             <a:endParaRPr lang="en-US" dirty="0"/>
           </a:p>
@@ -4705,7 +4713,7 @@
             <a:fld id="{18C79C5D-2A6F-F04D-97DA-BEF2467B64E4}" type="datetimeFigureOut">
               <a:rPr lang="en-US" smtClean="0"/>
               <a:pPr/>
-              <a:t>6/26/20</a:t>
+              <a:t>6/28/20</a:t>
             </a:fld>
             <a:endParaRPr lang="en-US" dirty="0"/>
           </a:p>
@@ -4977,7 +4985,7 @@
             <a:fld id="{09B482E8-6E0E-1B4F-B1FD-C69DB9E858D9}" type="datetimeFigureOut">
               <a:rPr lang="en-US" smtClean="0"/>
               <a:pPr/>
-              <a:t>6/26/20</a:t>
+              <a:t>6/28/20</a:t>
             </a:fld>
             <a:endParaRPr lang="en-US" dirty="0"/>
           </a:p>
@@ -6359,16 +6367,40 @@
           <a:lstStyle/>
           <a:p>
             <a:r>
-              <a:rPr lang="en-US" altLang="zh-CN"/>
+              <a:rPr lang="en-US" altLang="zh-CN" dirty="0"/>
               <a:t>Product</a:t>
             </a:r>
             <a:r>
-              <a:rPr lang="zh-CN" altLang="en-US"/>
-              <a:t> </a:t>
-            </a:r>
-            <a:r>
-              <a:rPr lang="en-US" altLang="zh-CN"/>
-              <a:t>Screenshots</a:t>
+              <a:rPr lang="zh-CN" altLang="en-US" dirty="0"/>
+              <a:t> </a:t>
+            </a:r>
+            <a:r>
+              <a:rPr lang="en-US" altLang="zh-CN" dirty="0"/>
+              <a:t>Screenshots –</a:t>
+            </a:r>
+            <a:r>
+              <a:rPr lang="zh-CN" altLang="en-US" dirty="0"/>
+              <a:t> </a:t>
+            </a:r>
+            <a:r>
+              <a:rPr lang="en-US" altLang="zh-CN" sz="2800" dirty="0"/>
+              <a:t>Login</a:t>
+            </a:r>
+            <a:r>
+              <a:rPr lang="zh-CN" altLang="en-US" sz="2800" dirty="0"/>
+              <a:t> </a:t>
+            </a:r>
+            <a:r>
+              <a:rPr lang="en-US" altLang="zh-CN" sz="2800" dirty="0"/>
+              <a:t>&amp;</a:t>
+            </a:r>
+            <a:r>
+              <a:rPr lang="zh-CN" altLang="en-US" sz="2800" dirty="0"/>
+              <a:t> </a:t>
+            </a:r>
+            <a:r>
+              <a:rPr lang="en-US" altLang="zh-CN" sz="2800" dirty="0"/>
+              <a:t>Signup</a:t>
             </a:r>
             <a:endParaRPr lang="en-US" dirty="0"/>
           </a:p>
@@ -6396,8 +6428,8 @@
         </p:blipFill>
         <p:spPr>
           <a:xfrm>
-            <a:off x="810000" y="2498570"/>
-            <a:ext cx="2200637" cy="3912243"/>
+            <a:off x="3238240" y="2254728"/>
+            <a:ext cx="2464425" cy="4381200"/>
           </a:xfrm>
           <a:prstGeom prst="rect">
             <a:avLst/>
@@ -6432,80 +6464,8 @@
         </p:blipFill>
         <p:spPr>
           <a:xfrm>
-            <a:off x="3474107" y="2498570"/>
-            <a:ext cx="2200636" cy="3912243"/>
-          </a:xfrm>
-          <a:prstGeom prst="rect">
-            <a:avLst/>
-          </a:prstGeom>
-          <a:ln>
-            <a:solidFill>
-              <a:schemeClr val="tx1">
-                <a:lumMod val="75000"/>
-              </a:schemeClr>
-            </a:solidFill>
-          </a:ln>
-        </p:spPr>
-      </p:pic>
-      <p:pic>
-        <p:nvPicPr>
-          <p:cNvPr id="11" name="Picture 10">
-            <a:extLst>
-              <a:ext uri="{FF2B5EF4-FFF2-40B4-BE49-F238E27FC236}">
-                <a16:creationId xmlns:a16="http://schemas.microsoft.com/office/drawing/2014/main" id="{C692C19C-A5D3-454A-8616-D2C57187FC15}"/>
-              </a:ext>
-            </a:extLst>
-          </p:cNvPr>
-          <p:cNvPicPr>
-            <a:picLocks noChangeAspect="1"/>
-          </p:cNvPicPr>
-          <p:nvPr/>
-        </p:nvPicPr>
-        <p:blipFill>
-          <a:blip r:embed="rId4"/>
-          <a:srcRect/>
-          <a:stretch/>
-        </p:blipFill>
-        <p:spPr>
-          <a:xfrm>
-            <a:off x="6138213" y="2498571"/>
-            <a:ext cx="2200636" cy="3912241"/>
-          </a:xfrm>
-          <a:prstGeom prst="rect">
-            <a:avLst/>
-          </a:prstGeom>
-          <a:ln>
-            <a:solidFill>
-              <a:schemeClr val="tx1">
-                <a:lumMod val="75000"/>
-              </a:schemeClr>
-            </a:solidFill>
-          </a:ln>
-        </p:spPr>
-      </p:pic>
-      <p:pic>
-        <p:nvPicPr>
-          <p:cNvPr id="17" name="Picture 16">
-            <a:extLst>
-              <a:ext uri="{FF2B5EF4-FFF2-40B4-BE49-F238E27FC236}">
-                <a16:creationId xmlns:a16="http://schemas.microsoft.com/office/drawing/2014/main" id="{43FD5688-EC6C-6C48-81EC-CE1FBE278B5A}"/>
-              </a:ext>
-            </a:extLst>
-          </p:cNvPr>
-          <p:cNvPicPr>
-            <a:picLocks noChangeAspect="1"/>
-          </p:cNvPicPr>
-          <p:nvPr/>
-        </p:nvPicPr>
-        <p:blipFill>
-          <a:blip r:embed="rId5"/>
-          <a:srcRect/>
-          <a:stretch/>
-        </p:blipFill>
-        <p:spPr>
-          <a:xfrm>
-            <a:off x="8802319" y="2498571"/>
-            <a:ext cx="2200635" cy="3912241"/>
+            <a:off x="6664347" y="2254728"/>
+            <a:ext cx="2464424" cy="4381200"/>
           </a:xfrm>
           <a:prstGeom prst="rect">
             <a:avLst/>
@@ -6522,7 +6482,7 @@
     </p:spTree>
     <p:extLst>
       <p:ext uri="{BB962C8B-B14F-4D97-AF65-F5344CB8AC3E}">
-        <p14:creationId xmlns:p14="http://schemas.microsoft.com/office/powerpoint/2010/main" val="2229176561"/>
+        <p14:creationId xmlns:p14="http://schemas.microsoft.com/office/powerpoint/2010/main" val="1929591731"/>
       </p:ext>
     </p:extLst>
   </p:cSld>
@@ -6571,16 +6531,171 @@
           <a:lstStyle/>
           <a:p>
             <a:r>
-              <a:rPr lang="en-US" altLang="zh-CN"/>
+              <a:rPr lang="en-US" altLang="zh-CN" dirty="0"/>
               <a:t>Product</a:t>
             </a:r>
             <a:r>
-              <a:rPr lang="zh-CN" altLang="en-US"/>
-              <a:t> </a:t>
-            </a:r>
-            <a:r>
-              <a:rPr lang="en-US" altLang="zh-CN"/>
-              <a:t>Screenshots</a:t>
+              <a:rPr lang="zh-CN" altLang="en-US" dirty="0"/>
+              <a:t> </a:t>
+            </a:r>
+            <a:r>
+              <a:rPr lang="en-US" altLang="zh-CN" dirty="0"/>
+              <a:t>Screenshots -</a:t>
+            </a:r>
+            <a:r>
+              <a:rPr lang="zh-CN" altLang="en-US" dirty="0"/>
+              <a:t> </a:t>
+            </a:r>
+            <a:r>
+              <a:rPr lang="en-US" altLang="zh-CN" sz="2800" dirty="0"/>
+              <a:t>Administrator</a:t>
+            </a:r>
+            <a:endParaRPr lang="en-US" dirty="0"/>
+          </a:p>
+        </p:txBody>
+      </p:sp>
+      <p:pic>
+        <p:nvPicPr>
+          <p:cNvPr id="11" name="Picture 10">
+            <a:extLst>
+              <a:ext uri="{FF2B5EF4-FFF2-40B4-BE49-F238E27FC236}">
+                <a16:creationId xmlns:a16="http://schemas.microsoft.com/office/drawing/2014/main" id="{C692C19C-A5D3-454A-8616-D2C57187FC15}"/>
+              </a:ext>
+            </a:extLst>
+          </p:cNvPr>
+          <p:cNvPicPr>
+            <a:picLocks noChangeAspect="1"/>
+          </p:cNvPicPr>
+          <p:nvPr/>
+        </p:nvPicPr>
+        <p:blipFill>
+          <a:blip r:embed="rId2"/>
+          <a:srcRect/>
+          <a:stretch/>
+        </p:blipFill>
+        <p:spPr>
+          <a:xfrm>
+            <a:off x="1419599" y="2295370"/>
+            <a:ext cx="2464424" cy="4381200"/>
+          </a:xfrm>
+          <a:prstGeom prst="rect">
+            <a:avLst/>
+          </a:prstGeom>
+          <a:ln>
+            <a:solidFill>
+              <a:schemeClr val="tx1">
+                <a:lumMod val="75000"/>
+              </a:schemeClr>
+            </a:solidFill>
+          </a:ln>
+        </p:spPr>
+      </p:pic>
+      <p:pic>
+        <p:nvPicPr>
+          <p:cNvPr id="17" name="Picture 16">
+            <a:extLst>
+              <a:ext uri="{FF2B5EF4-FFF2-40B4-BE49-F238E27FC236}">
+                <a16:creationId xmlns:a16="http://schemas.microsoft.com/office/drawing/2014/main" id="{43FD5688-EC6C-6C48-81EC-CE1FBE278B5A}"/>
+              </a:ext>
+            </a:extLst>
+          </p:cNvPr>
+          <p:cNvPicPr>
+            <a:picLocks noChangeAspect="1"/>
+          </p:cNvPicPr>
+          <p:nvPr/>
+        </p:nvPicPr>
+        <p:blipFill>
+          <a:blip r:embed="rId3"/>
+          <a:srcRect/>
+          <a:stretch/>
+        </p:blipFill>
+        <p:spPr>
+          <a:xfrm>
+            <a:off x="4774586" y="2295370"/>
+            <a:ext cx="2464425" cy="4381200"/>
+          </a:xfrm>
+          <a:prstGeom prst="rect">
+            <a:avLst/>
+          </a:prstGeom>
+          <a:ln>
+            <a:solidFill>
+              <a:schemeClr val="tx1">
+                <a:lumMod val="75000"/>
+              </a:schemeClr>
+            </a:solidFill>
+          </a:ln>
+        </p:spPr>
+      </p:pic>
+    </p:spTree>
+    <p:extLst>
+      <p:ext uri="{BB962C8B-B14F-4D97-AF65-F5344CB8AC3E}">
+        <p14:creationId xmlns:p14="http://schemas.microsoft.com/office/powerpoint/2010/main" val="1701450268"/>
+      </p:ext>
+    </p:extLst>
+  </p:cSld>
+  <p:clrMapOvr>
+    <a:masterClrMapping/>
+  </p:clrMapOvr>
+</p:sld>
+</file>
+
+<file path=ppt/slides/slide12.xml><?xml version="1.0" encoding="utf-8"?>
+<p:sld xmlns:a="http://schemas.openxmlformats.org/drawingml/2006/main" xmlns:r="http://schemas.openxmlformats.org/officeDocument/2006/relationships" xmlns:p="http://schemas.openxmlformats.org/presentationml/2006/main">
+  <p:cSld>
+    <p:spTree>
+      <p:nvGrpSpPr>
+        <p:cNvPr id="1" name=""/>
+        <p:cNvGrpSpPr/>
+        <p:nvPr/>
+      </p:nvGrpSpPr>
+      <p:grpSpPr>
+        <a:xfrm>
+          <a:off x="0" y="0"/>
+          <a:ext cx="0" cy="0"/>
+          <a:chOff x="0" y="0"/>
+          <a:chExt cx="0" cy="0"/>
+        </a:xfrm>
+      </p:grpSpPr>
+      <p:sp>
+        <p:nvSpPr>
+          <p:cNvPr id="2" name="Title 1">
+            <a:extLst>
+              <a:ext uri="{FF2B5EF4-FFF2-40B4-BE49-F238E27FC236}">
+                <a16:creationId xmlns:a16="http://schemas.microsoft.com/office/drawing/2014/main" id="{36EE28F0-383E-044F-B6B0-AE674BC2571E}"/>
+              </a:ext>
+            </a:extLst>
+          </p:cNvPr>
+          <p:cNvSpPr>
+            <a:spLocks noGrp="1"/>
+          </p:cNvSpPr>
+          <p:nvPr>
+            <p:ph type="title"/>
+          </p:nvPr>
+        </p:nvSpPr>
+        <p:spPr/>
+        <p:txBody>
+          <a:bodyPr/>
+          <a:lstStyle/>
+          <a:p>
+            <a:r>
+              <a:rPr lang="en-US" altLang="zh-CN" dirty="0"/>
+              <a:t>Product</a:t>
+            </a:r>
+            <a:r>
+              <a:rPr lang="zh-CN" altLang="en-US" dirty="0"/>
+              <a:t> </a:t>
+            </a:r>
+            <a:r>
+              <a:rPr lang="en-US" altLang="zh-CN" dirty="0"/>
+              <a:t>Screenshots -</a:t>
+            </a:r>
+            <a:r>
+              <a:rPr lang="zh-CN" altLang="en-US" dirty="0"/>
+              <a:t> </a:t>
+            </a:r>
+            <a:r>
+              <a:rPr lang="en-US" altLang="zh-CN" sz="2800" dirty="0"/>
+              <a:t>Driver</a:t>
             </a:r>
             <a:endParaRPr lang="en-US" dirty="0"/>
           </a:p>
@@ -6607,8 +6722,8 @@
         </p:blipFill>
         <p:spPr>
           <a:xfrm>
-            <a:off x="810000" y="2498570"/>
-            <a:ext cx="2200636" cy="3912243"/>
+            <a:off x="1470400" y="2306318"/>
+            <a:ext cx="2463083" cy="4378816"/>
           </a:xfrm>
           <a:prstGeom prst="rect">
             <a:avLst/>
@@ -6643,8 +6758,8 @@
         </p:blipFill>
         <p:spPr>
           <a:xfrm>
-            <a:off x="3474107" y="2498571"/>
-            <a:ext cx="2200636" cy="3912241"/>
+            <a:off x="5022217" y="2306319"/>
+            <a:ext cx="2463083" cy="4378813"/>
           </a:xfrm>
           <a:prstGeom prst="rect">
             <a:avLst/>
@@ -6679,44 +6794,8 @@
         </p:blipFill>
         <p:spPr>
           <a:xfrm>
-            <a:off x="6138213" y="2498571"/>
-            <a:ext cx="2200636" cy="3912241"/>
-          </a:xfrm>
-          <a:prstGeom prst="rect">
-            <a:avLst/>
-          </a:prstGeom>
-          <a:ln>
-            <a:solidFill>
-              <a:schemeClr val="tx1">
-                <a:lumMod val="75000"/>
-              </a:schemeClr>
-            </a:solidFill>
-          </a:ln>
-        </p:spPr>
-      </p:pic>
-      <p:pic>
-        <p:nvPicPr>
-          <p:cNvPr id="17" name="Picture 16">
-            <a:extLst>
-              <a:ext uri="{FF2B5EF4-FFF2-40B4-BE49-F238E27FC236}">
-                <a16:creationId xmlns:a16="http://schemas.microsoft.com/office/drawing/2014/main" id="{43FD5688-EC6C-6C48-81EC-CE1FBE278B5A}"/>
-              </a:ext>
-            </a:extLst>
-          </p:cNvPr>
-          <p:cNvPicPr>
-            <a:picLocks noChangeAspect="1"/>
-          </p:cNvPicPr>
-          <p:nvPr/>
-        </p:nvPicPr>
-        <p:blipFill>
-          <a:blip r:embed="rId5"/>
-          <a:srcRect/>
-          <a:stretch/>
-        </p:blipFill>
-        <p:spPr>
-          <a:xfrm>
-            <a:off x="8802319" y="2498571"/>
-            <a:ext cx="2200635" cy="3912241"/>
+            <a:off x="8574034" y="2306318"/>
+            <a:ext cx="2463082" cy="4378814"/>
           </a:xfrm>
           <a:prstGeom prst="rect">
             <a:avLst/>
@@ -6733,7 +6812,7 @@
     </p:spTree>
     <p:extLst>
       <p:ext uri="{BB962C8B-B14F-4D97-AF65-F5344CB8AC3E}">
-        <p14:creationId xmlns:p14="http://schemas.microsoft.com/office/powerpoint/2010/main" val="3686022040"/>
+        <p14:creationId xmlns:p14="http://schemas.microsoft.com/office/powerpoint/2010/main" val="3691095994"/>
       </p:ext>
     </p:extLst>
   </p:cSld>
@@ -6743,7 +6822,301 @@
 </p:sld>
 </file>
 
-<file path=ppt/slides/slide12.xml><?xml version="1.0" encoding="utf-8"?>
+<file path=ppt/slides/slide13.xml><?xml version="1.0" encoding="utf-8"?>
+<p:sld xmlns:a="http://schemas.openxmlformats.org/drawingml/2006/main" xmlns:r="http://schemas.openxmlformats.org/officeDocument/2006/relationships" xmlns:p="http://schemas.openxmlformats.org/presentationml/2006/main">
+  <p:cSld>
+    <p:spTree>
+      <p:nvGrpSpPr>
+        <p:cNvPr id="1" name=""/>
+        <p:cNvGrpSpPr/>
+        <p:nvPr/>
+      </p:nvGrpSpPr>
+      <p:grpSpPr>
+        <a:xfrm>
+          <a:off x="0" y="0"/>
+          <a:ext cx="0" cy="0"/>
+          <a:chOff x="0" y="0"/>
+          <a:chExt cx="0" cy="0"/>
+        </a:xfrm>
+      </p:grpSpPr>
+      <p:sp>
+        <p:nvSpPr>
+          <p:cNvPr id="2" name="Title 1">
+            <a:extLst>
+              <a:ext uri="{FF2B5EF4-FFF2-40B4-BE49-F238E27FC236}">
+                <a16:creationId xmlns:a16="http://schemas.microsoft.com/office/drawing/2014/main" id="{36EE28F0-383E-044F-B6B0-AE674BC2571E}"/>
+              </a:ext>
+            </a:extLst>
+          </p:cNvPr>
+          <p:cNvSpPr>
+            <a:spLocks noGrp="1"/>
+          </p:cNvSpPr>
+          <p:nvPr>
+            <p:ph type="title"/>
+          </p:nvPr>
+        </p:nvSpPr>
+        <p:spPr/>
+        <p:txBody>
+          <a:bodyPr/>
+          <a:lstStyle/>
+          <a:p>
+            <a:r>
+              <a:rPr lang="en-US" altLang="zh-CN" dirty="0"/>
+              <a:t>Product</a:t>
+            </a:r>
+            <a:r>
+              <a:rPr lang="zh-CN" altLang="en-US" dirty="0"/>
+              <a:t> </a:t>
+            </a:r>
+            <a:r>
+              <a:rPr lang="en-US" altLang="zh-CN" dirty="0"/>
+              <a:t>Screenshots -</a:t>
+            </a:r>
+            <a:r>
+              <a:rPr lang="zh-CN" altLang="en-US" dirty="0"/>
+              <a:t> </a:t>
+            </a:r>
+            <a:r>
+              <a:rPr lang="en-US" altLang="zh-CN" sz="2800" dirty="0"/>
+              <a:t>Receiver</a:t>
+            </a:r>
+            <a:endParaRPr lang="en-US" dirty="0"/>
+          </a:p>
+        </p:txBody>
+      </p:sp>
+      <p:pic>
+        <p:nvPicPr>
+          <p:cNvPr id="7" name="Picture 6">
+            <a:extLst>
+              <a:ext uri="{FF2B5EF4-FFF2-40B4-BE49-F238E27FC236}">
+                <a16:creationId xmlns:a16="http://schemas.microsoft.com/office/drawing/2014/main" id="{5E5DDEB4-7937-3745-81AE-A63069C49117}"/>
+              </a:ext>
+            </a:extLst>
+          </p:cNvPr>
+          <p:cNvPicPr>
+            <a:picLocks noChangeAspect="1"/>
+          </p:cNvPicPr>
+          <p:nvPr/>
+        </p:nvPicPr>
+        <p:blipFill>
+          <a:blip r:embed="rId2"/>
+          <a:srcRect/>
+          <a:stretch/>
+        </p:blipFill>
+        <p:spPr>
+          <a:xfrm>
+            <a:off x="1487733" y="2306318"/>
+            <a:ext cx="2130234" cy="4378816"/>
+          </a:xfrm>
+          <a:prstGeom prst="rect">
+            <a:avLst/>
+          </a:prstGeom>
+          <a:ln>
+            <a:solidFill>
+              <a:schemeClr val="tx1">
+                <a:lumMod val="75000"/>
+              </a:schemeClr>
+            </a:solidFill>
+          </a:ln>
+        </p:spPr>
+      </p:pic>
+      <p:pic>
+        <p:nvPicPr>
+          <p:cNvPr id="10" name="Picture 9">
+            <a:extLst>
+              <a:ext uri="{FF2B5EF4-FFF2-40B4-BE49-F238E27FC236}">
+                <a16:creationId xmlns:a16="http://schemas.microsoft.com/office/drawing/2014/main" id="{C689288A-B915-2F4C-9F82-4219091A5A06}"/>
+              </a:ext>
+            </a:extLst>
+          </p:cNvPr>
+          <p:cNvPicPr>
+            <a:picLocks noChangeAspect="1"/>
+          </p:cNvPicPr>
+          <p:nvPr/>
+        </p:nvPicPr>
+        <p:blipFill>
+          <a:blip r:embed="rId3"/>
+          <a:srcRect/>
+          <a:stretch/>
+        </p:blipFill>
+        <p:spPr>
+          <a:xfrm>
+            <a:off x="4294562" y="2306319"/>
+            <a:ext cx="2130233" cy="4378813"/>
+          </a:xfrm>
+          <a:prstGeom prst="rect">
+            <a:avLst/>
+          </a:prstGeom>
+          <a:ln>
+            <a:solidFill>
+              <a:schemeClr val="tx1">
+                <a:lumMod val="75000"/>
+              </a:schemeClr>
+            </a:solidFill>
+          </a:ln>
+        </p:spPr>
+      </p:pic>
+    </p:spTree>
+    <p:extLst>
+      <p:ext uri="{BB962C8B-B14F-4D97-AF65-F5344CB8AC3E}">
+        <p14:creationId xmlns:p14="http://schemas.microsoft.com/office/powerpoint/2010/main" val="1621929363"/>
+      </p:ext>
+    </p:extLst>
+  </p:cSld>
+  <p:clrMapOvr>
+    <a:masterClrMapping/>
+  </p:clrMapOvr>
+</p:sld>
+</file>
+
+<file path=ppt/slides/slide14.xml><?xml version="1.0" encoding="utf-8"?>
+<p:sld xmlns:a="http://schemas.openxmlformats.org/drawingml/2006/main" xmlns:r="http://schemas.openxmlformats.org/officeDocument/2006/relationships" xmlns:p="http://schemas.openxmlformats.org/presentationml/2006/main">
+  <p:cSld>
+    <p:spTree>
+      <p:nvGrpSpPr>
+        <p:cNvPr id="1" name=""/>
+        <p:cNvGrpSpPr/>
+        <p:nvPr/>
+      </p:nvGrpSpPr>
+      <p:grpSpPr>
+        <a:xfrm>
+          <a:off x="0" y="0"/>
+          <a:ext cx="0" cy="0"/>
+          <a:chOff x="0" y="0"/>
+          <a:chExt cx="0" cy="0"/>
+        </a:xfrm>
+      </p:grpSpPr>
+      <p:sp>
+        <p:nvSpPr>
+          <p:cNvPr id="2" name="Title 1">
+            <a:extLst>
+              <a:ext uri="{FF2B5EF4-FFF2-40B4-BE49-F238E27FC236}">
+                <a16:creationId xmlns:a16="http://schemas.microsoft.com/office/drawing/2014/main" id="{36EE28F0-383E-044F-B6B0-AE674BC2571E}"/>
+              </a:ext>
+            </a:extLst>
+          </p:cNvPr>
+          <p:cNvSpPr>
+            <a:spLocks noGrp="1"/>
+          </p:cNvSpPr>
+          <p:nvPr>
+            <p:ph type="title"/>
+          </p:nvPr>
+        </p:nvSpPr>
+        <p:spPr/>
+        <p:txBody>
+          <a:bodyPr/>
+          <a:lstStyle/>
+          <a:p>
+            <a:r>
+              <a:rPr lang="en-US" altLang="zh-CN" dirty="0"/>
+              <a:t>Product</a:t>
+            </a:r>
+            <a:r>
+              <a:rPr lang="zh-CN" altLang="en-US" dirty="0"/>
+              <a:t> </a:t>
+            </a:r>
+            <a:r>
+              <a:rPr lang="en-US" altLang="zh-CN" dirty="0"/>
+              <a:t>Screenshots -</a:t>
+            </a:r>
+            <a:r>
+              <a:rPr lang="zh-CN" altLang="en-US" dirty="0"/>
+              <a:t> </a:t>
+            </a:r>
+            <a:r>
+              <a:rPr lang="en-US" altLang="zh-CN" sz="2800" dirty="0"/>
+              <a:t>Others</a:t>
+            </a:r>
+            <a:endParaRPr lang="en-US" dirty="0"/>
+          </a:p>
+        </p:txBody>
+      </p:sp>
+      <p:pic>
+        <p:nvPicPr>
+          <p:cNvPr id="17" name="Picture 16">
+            <a:extLst>
+              <a:ext uri="{FF2B5EF4-FFF2-40B4-BE49-F238E27FC236}">
+                <a16:creationId xmlns:a16="http://schemas.microsoft.com/office/drawing/2014/main" id="{43FD5688-EC6C-6C48-81EC-CE1FBE278B5A}"/>
+              </a:ext>
+            </a:extLst>
+          </p:cNvPr>
+          <p:cNvPicPr>
+            <a:picLocks noChangeAspect="1"/>
+          </p:cNvPicPr>
+          <p:nvPr/>
+        </p:nvPicPr>
+        <p:blipFill>
+          <a:blip r:embed="rId2"/>
+          <a:srcRect/>
+          <a:stretch/>
+        </p:blipFill>
+        <p:spPr>
+          <a:xfrm>
+            <a:off x="3173678" y="2193770"/>
+            <a:ext cx="2464424" cy="4381200"/>
+          </a:xfrm>
+          <a:prstGeom prst="rect">
+            <a:avLst/>
+          </a:prstGeom>
+          <a:ln>
+            <a:solidFill>
+              <a:schemeClr val="tx1">
+                <a:lumMod val="75000"/>
+              </a:schemeClr>
+            </a:solidFill>
+          </a:ln>
+        </p:spPr>
+      </p:pic>
+      <p:pic>
+        <p:nvPicPr>
+          <p:cNvPr id="8" name="Picture 7">
+            <a:extLst>
+              <a:ext uri="{FF2B5EF4-FFF2-40B4-BE49-F238E27FC236}">
+                <a16:creationId xmlns:a16="http://schemas.microsoft.com/office/drawing/2014/main" id="{F177806E-00E5-164F-89F8-EBB318831714}"/>
+              </a:ext>
+            </a:extLst>
+          </p:cNvPr>
+          <p:cNvPicPr>
+            <a:picLocks noChangeAspect="1"/>
+          </p:cNvPicPr>
+          <p:nvPr/>
+        </p:nvPicPr>
+        <p:blipFill>
+          <a:blip r:embed="rId3"/>
+          <a:srcRect/>
+          <a:stretch/>
+        </p:blipFill>
+        <p:spPr>
+          <a:xfrm>
+            <a:off x="6628078" y="2193771"/>
+            <a:ext cx="2464424" cy="4381198"/>
+          </a:xfrm>
+          <a:prstGeom prst="rect">
+            <a:avLst/>
+          </a:prstGeom>
+          <a:ln>
+            <a:solidFill>
+              <a:schemeClr val="tx1">
+                <a:lumMod val="75000"/>
+              </a:schemeClr>
+            </a:solidFill>
+          </a:ln>
+        </p:spPr>
+      </p:pic>
+    </p:spTree>
+    <p:extLst>
+      <p:ext uri="{BB962C8B-B14F-4D97-AF65-F5344CB8AC3E}">
+        <p14:creationId xmlns:p14="http://schemas.microsoft.com/office/powerpoint/2010/main" val="3500991501"/>
+      </p:ext>
+    </p:extLst>
+  </p:cSld>
+  <p:clrMapOvr>
+    <a:masterClrMapping/>
+  </p:clrMapOvr>
+</p:sld>
+</file>
+
+<file path=ppt/slides/slide15.xml><?xml version="1.0" encoding="utf-8"?>
 <p:sld xmlns:a="http://schemas.openxmlformats.org/drawingml/2006/main" xmlns:r="http://schemas.openxmlformats.org/officeDocument/2006/relationships" xmlns:p="http://schemas.openxmlformats.org/presentationml/2006/main">
   <p:cSld>
     <p:spTree>
@@ -7079,7 +7452,7 @@
 </p:sld>
 </file>
 
-<file path=ppt/slides/slide13.xml><?xml version="1.0" encoding="utf-8"?>
+<file path=ppt/slides/slide16.xml><?xml version="1.0" encoding="utf-8"?>
 <p:sld xmlns:a="http://schemas.openxmlformats.org/drawingml/2006/main" xmlns:r="http://schemas.openxmlformats.org/officeDocument/2006/relationships" xmlns:p="http://schemas.openxmlformats.org/presentationml/2006/main">
   <p:cSld>
     <p:spTree>
@@ -8047,7 +8420,7 @@
 </p:sld>
 </file>
 
-<file path=ppt/slides/slide14.xml><?xml version="1.0" encoding="utf-8"?>
+<file path=ppt/slides/slide17.xml><?xml version="1.0" encoding="utf-8"?>
 <p:sld xmlns:a="http://schemas.openxmlformats.org/drawingml/2006/main" xmlns:r="http://schemas.openxmlformats.org/officeDocument/2006/relationships" xmlns:p="http://schemas.openxmlformats.org/presentationml/2006/main" showMasterSp="0">
   <p:cSld>
     <p:bg>

--- a/Documentation/Presentation.pptx
+++ b/Documentation/Presentation.pptx
@@ -416,7 +416,7 @@
             <a:fld id="{08B9EBBA-996F-894A-B54A-D6246ED52CEA}" type="datetimeFigureOut">
               <a:rPr lang="en-US" smtClean="0"/>
               <a:pPr/>
-              <a:t>6/28/20</a:t>
+              <a:t>6/29/20</a:t>
             </a:fld>
             <a:endParaRPr lang="en-US" dirty="0"/>
           </a:p>
@@ -736,7 +736,7 @@
             <a:fld id="{18C79C5D-2A6F-F04D-97DA-BEF2467B64E4}" type="datetimeFigureOut">
               <a:rPr lang="en-US" smtClean="0"/>
               <a:pPr/>
-              <a:t>6/28/20</a:t>
+              <a:t>6/29/20</a:t>
             </a:fld>
             <a:endParaRPr lang="en-US" dirty="0"/>
           </a:p>
@@ -1226,7 +1226,7 @@
             <a:fld id="{8DFA1846-DA80-1C48-A609-854EA85C59AD}" type="datetimeFigureOut">
               <a:rPr lang="en-US" smtClean="0"/>
               <a:pPr/>
-              <a:t>6/28/20</a:t>
+              <a:t>6/29/20</a:t>
             </a:fld>
             <a:endParaRPr lang="en-US" dirty="0"/>
           </a:p>
@@ -1597,7 +1597,7 @@
             <a:fld id="{FBF54567-0DE4-3F47-BF90-CB84690072F9}" type="datetimeFigureOut">
               <a:rPr lang="en-US" smtClean="0"/>
               <a:pPr/>
-              <a:t>6/28/20</a:t>
+              <a:t>6/29/20</a:t>
             </a:fld>
             <a:endParaRPr lang="en-US" dirty="0"/>
           </a:p>
@@ -1872,7 +1872,7 @@
             <a:fld id="{C6C52C72-DE31-F449-A4ED-4C594FD91407}" type="datetimeFigureOut">
               <a:rPr lang="en-US" smtClean="0"/>
               <a:pPr/>
-              <a:t>6/28/20</a:t>
+              <a:t>6/29/20</a:t>
             </a:fld>
             <a:endParaRPr lang="en-US" dirty="0"/>
           </a:p>
@@ -2159,7 +2159,7 @@
             <a:fld id="{ED62726E-379B-B349-9EED-81ED093FA806}" type="datetimeFigureOut">
               <a:rPr lang="en-US" smtClean="0"/>
               <a:pPr/>
-              <a:t>6/28/20</a:t>
+              <a:t>6/29/20</a:t>
             </a:fld>
             <a:endParaRPr lang="en-US" dirty="0"/>
           </a:p>
@@ -2444,7 +2444,7 @@
             <a:fld id="{9B3A1323-8D79-1946-B0D7-40001CF92E9D}" type="datetimeFigureOut">
               <a:rPr lang="en-US" smtClean="0"/>
               <a:pPr/>
-              <a:t>6/28/20</a:t>
+              <a:t>6/29/20</a:t>
             </a:fld>
             <a:endParaRPr lang="en-US" dirty="0"/>
           </a:p>
@@ -2789,7 +2789,7 @@
             <a:fld id="{8DFA1846-DA80-1C48-A609-854EA85C59AD}" type="datetimeFigureOut">
               <a:rPr lang="en-US" smtClean="0"/>
               <a:pPr/>
-              <a:t>6/28/20</a:t>
+              <a:t>6/29/20</a:t>
             </a:fld>
             <a:endParaRPr lang="en-US" dirty="0"/>
           </a:p>
@@ -3130,7 +3130,7 @@
             <a:fld id="{57302355-E14B-8545-A8F8-0FE83CC9D524}" type="datetimeFigureOut">
               <a:rPr lang="en-US" smtClean="0"/>
               <a:pPr/>
-              <a:t>6/28/20</a:t>
+              <a:t>6/29/20</a:t>
             </a:fld>
             <a:endParaRPr lang="en-US" dirty="0"/>
           </a:p>
@@ -3609,7 +3609,7 @@
             <a:fld id="{02640F58-564D-2B4F-AE67-E407BA4FCF45}" type="datetimeFigureOut">
               <a:rPr lang="en-US" smtClean="0"/>
               <a:pPr/>
-              <a:t>6/28/20</a:t>
+              <a:t>6/29/20</a:t>
             </a:fld>
             <a:endParaRPr lang="en-US" dirty="0"/>
           </a:p>
@@ -3832,7 +3832,7 @@
             <a:fld id="{F13A34C8-038E-2045-AF43-DF7DBB8E0E9E}" type="datetimeFigureOut">
               <a:rPr lang="en-US" smtClean="0"/>
               <a:pPr/>
-              <a:t>6/28/20</a:t>
+              <a:t>6/29/20</a:t>
             </a:fld>
             <a:endParaRPr lang="en-US" dirty="0"/>
           </a:p>
@@ -3929,7 +3929,7 @@
             <a:fld id="{8818C68F-D26B-8F47-958C-23B49CF8A634}" type="datetimeFigureOut">
               <a:rPr lang="en-US" smtClean="0"/>
               <a:pPr/>
-              <a:t>6/28/20</a:t>
+              <a:t>6/29/20</a:t>
             </a:fld>
             <a:endParaRPr lang="en-US" dirty="0"/>
           </a:p>
@@ -4398,7 +4398,7 @@
             <a:fld id="{D0DF5E60-9974-AC48-9591-99C2BB44B7CF}" type="datetimeFigureOut">
               <a:rPr lang="en-US" smtClean="0"/>
               <a:pPr/>
-              <a:t>6/28/20</a:t>
+              <a:t>6/29/20</a:t>
             </a:fld>
             <a:endParaRPr lang="en-US" dirty="0"/>
           </a:p>
@@ -4713,7 +4713,7 @@
             <a:fld id="{18C79C5D-2A6F-F04D-97DA-BEF2467B64E4}" type="datetimeFigureOut">
               <a:rPr lang="en-US" smtClean="0"/>
               <a:pPr/>
-              <a:t>6/28/20</a:t>
+              <a:t>6/29/20</a:t>
             </a:fld>
             <a:endParaRPr lang="en-US" dirty="0"/>
           </a:p>
@@ -4985,7 +4985,7 @@
             <a:fld id="{09B482E8-6E0E-1B4F-B1FD-C69DB9E858D9}" type="datetimeFigureOut">
               <a:rPr lang="en-US" smtClean="0"/>
               <a:pPr/>
-              <a:t>6/28/20</a:t>
+              <a:t>6/29/20</a:t>
             </a:fld>
             <a:endParaRPr lang="en-US" dirty="0"/>
           </a:p>
@@ -6575,8 +6575,8 @@
         </p:blipFill>
         <p:spPr>
           <a:xfrm>
-            <a:off x="1419599" y="2295370"/>
-            <a:ext cx="2464424" cy="4381200"/>
+            <a:off x="1419599" y="2295371"/>
+            <a:ext cx="2464424" cy="4381198"/>
           </a:xfrm>
           <a:prstGeom prst="rect">
             <a:avLst/>
@@ -6612,6 +6612,42 @@
         <p:spPr>
           <a:xfrm>
             <a:off x="4774586" y="2295370"/>
+            <a:ext cx="2464425" cy="4381200"/>
+          </a:xfrm>
+          <a:prstGeom prst="rect">
+            <a:avLst/>
+          </a:prstGeom>
+          <a:ln>
+            <a:solidFill>
+              <a:schemeClr val="tx1">
+                <a:lumMod val="75000"/>
+              </a:schemeClr>
+            </a:solidFill>
+          </a:ln>
+        </p:spPr>
+      </p:pic>
+      <p:pic>
+        <p:nvPicPr>
+          <p:cNvPr id="5" name="Picture 4">
+            <a:extLst>
+              <a:ext uri="{FF2B5EF4-FFF2-40B4-BE49-F238E27FC236}">
+                <a16:creationId xmlns:a16="http://schemas.microsoft.com/office/drawing/2014/main" id="{50AFB06F-D5BA-9047-B29B-D914245CEC3E}"/>
+              </a:ext>
+            </a:extLst>
+          </p:cNvPr>
+          <p:cNvPicPr>
+            <a:picLocks noChangeAspect="1"/>
+          </p:cNvPicPr>
+          <p:nvPr/>
+        </p:nvPicPr>
+        <p:blipFill>
+          <a:blip r:embed="rId4"/>
+          <a:srcRect/>
+          <a:stretch/>
+        </p:blipFill>
+        <p:spPr>
+          <a:xfrm>
+            <a:off x="8129574" y="2295369"/>
             <a:ext cx="2464425" cy="4381200"/>
           </a:xfrm>
           <a:prstGeom prst="rect">
@@ -6886,10 +6922,10 @@
       </p:sp>
       <p:pic>
         <p:nvPicPr>
-          <p:cNvPr id="7" name="Picture 6">
+          <p:cNvPr id="5" name="Picture 4">
             <a:extLst>
               <a:ext uri="{FF2B5EF4-FFF2-40B4-BE49-F238E27FC236}">
-                <a16:creationId xmlns:a16="http://schemas.microsoft.com/office/drawing/2014/main" id="{5E5DDEB4-7937-3745-81AE-A63069C49117}"/>
+                <a16:creationId xmlns:a16="http://schemas.microsoft.com/office/drawing/2014/main" id="{F4A71EFC-6C6C-874C-BBE9-EC9583F6C55A}"/>
               </a:ext>
             </a:extLst>
           </p:cNvPr>
@@ -6905,8 +6941,8 @@
         </p:blipFill>
         <p:spPr>
           <a:xfrm>
-            <a:off x="1487733" y="2306318"/>
-            <a:ext cx="2130234" cy="4378816"/>
+            <a:off x="1470400" y="2306319"/>
+            <a:ext cx="2463083" cy="4378814"/>
           </a:xfrm>
           <a:prstGeom prst="rect">
             <a:avLst/>
@@ -6922,10 +6958,10 @@
       </p:pic>
       <p:pic>
         <p:nvPicPr>
-          <p:cNvPr id="10" name="Picture 9">
+          <p:cNvPr id="6" name="Picture 5">
             <a:extLst>
               <a:ext uri="{FF2B5EF4-FFF2-40B4-BE49-F238E27FC236}">
-                <a16:creationId xmlns:a16="http://schemas.microsoft.com/office/drawing/2014/main" id="{C689288A-B915-2F4C-9F82-4219091A5A06}"/>
+                <a16:creationId xmlns:a16="http://schemas.microsoft.com/office/drawing/2014/main" id="{D23BD72E-4E1D-C747-980B-4381BA2BD5B2}"/>
               </a:ext>
             </a:extLst>
           </p:cNvPr>
@@ -6941,8 +6977,44 @@
         </p:blipFill>
         <p:spPr>
           <a:xfrm>
-            <a:off x="4294562" y="2306319"/>
-            <a:ext cx="2130233" cy="4378813"/>
+            <a:off x="5022217" y="2306319"/>
+            <a:ext cx="2463082" cy="4378813"/>
+          </a:xfrm>
+          <a:prstGeom prst="rect">
+            <a:avLst/>
+          </a:prstGeom>
+          <a:ln>
+            <a:solidFill>
+              <a:schemeClr val="tx1">
+                <a:lumMod val="75000"/>
+              </a:schemeClr>
+            </a:solidFill>
+          </a:ln>
+        </p:spPr>
+      </p:pic>
+      <p:pic>
+        <p:nvPicPr>
+          <p:cNvPr id="8" name="Picture 7">
+            <a:extLst>
+              <a:ext uri="{FF2B5EF4-FFF2-40B4-BE49-F238E27FC236}">
+                <a16:creationId xmlns:a16="http://schemas.microsoft.com/office/drawing/2014/main" id="{433AD4DF-1EB6-6846-AF54-3425C3110E4F}"/>
+              </a:ext>
+            </a:extLst>
+          </p:cNvPr>
+          <p:cNvPicPr>
+            <a:picLocks noChangeAspect="1"/>
+          </p:cNvPicPr>
+          <p:nvPr/>
+        </p:nvPicPr>
+        <p:blipFill>
+          <a:blip r:embed="rId4"/>
+          <a:srcRect/>
+          <a:stretch/>
+        </p:blipFill>
+        <p:spPr>
+          <a:xfrm>
+            <a:off x="8574034" y="2306319"/>
+            <a:ext cx="2463082" cy="4378812"/>
           </a:xfrm>
           <a:prstGeom prst="rect">
             <a:avLst/>
